--- a/企画.pptx
+++ b/企画.pptx
@@ -106,6 +106,11 @@
       </a:defRPr>
     </a:lvl9pPr>
   </p:defaultTextStyle>
+  <p:extLst>
+    <p:ext uri="{EFAFB233-063F-42B5-8137-9DF3F51BA10A}">
+      <p15:sldGuideLst xmlns:p15="http://schemas.microsoft.com/office/powerpoint/2012/main"/>
+    </p:ext>
+  </p:extLst>
 </p:presentation>
 </file>
 
@@ -3955,603 +3960,6 @@
           </a:p>
         </p:txBody>
       </p:sp>
-      <p:sp>
-        <p:nvSpPr>
-          <p:cNvPr id="6" name="Rectangle 5"/>
-          <p:cNvSpPr>
-            <a:spLocks noChangeArrowheads="1"/>
-          </p:cNvSpPr>
-          <p:nvPr/>
-        </p:nvSpPr>
-        <p:spPr bwMode="auto">
-          <a:xfrm>
-            <a:off x="-682907" y="1222455"/>
-            <a:ext cx="12192000" cy="457200"/>
-          </a:xfrm>
-          <a:prstGeom prst="rect">
-            <a:avLst/>
-          </a:prstGeom>
-          <a:noFill/>
-          <a:ln>
-            <a:noFill/>
-          </a:ln>
-          <a:effectLst/>
-          <a:extLst>
-            <a:ext uri="{909E8E84-426E-40DD-AFC4-6F175D3DCCD1}">
-              <a14:hiddenFill xmlns:a14="http://schemas.microsoft.com/office/drawing/2010/main">
-                <a:solidFill>
-                  <a:schemeClr val="accent1"/>
-                </a:solidFill>
-              </a14:hiddenFill>
-            </a:ext>
-            <a:ext uri="{91240B29-F687-4F45-9708-019B960494DF}">
-              <a14:hiddenLine xmlns:a14="http://schemas.microsoft.com/office/drawing/2010/main" w="9525">
-                <a:solidFill>
-                  <a:schemeClr val="tx1"/>
-                </a:solidFill>
-                <a:miter lim="800000"/>
-                <a:headEnd/>
-                <a:tailEnd/>
-              </a14:hiddenLine>
-            </a:ext>
-            <a:ext uri="{AF507438-7753-43E0-B8FC-AC1667EBCBE1}">
-              <a14:hiddenEffects xmlns:a14="http://schemas.microsoft.com/office/drawing/2010/main">
-                <a:effectLst>
-                  <a:outerShdw dist="35921" dir="2700000" algn="ctr" rotWithShape="0">
-                    <a:schemeClr val="bg2"/>
-                  </a:outerShdw>
-                </a:effectLst>
-              </a14:hiddenEffects>
-            </a:ext>
-          </a:extLst>
-        </p:spPr>
-        <p:txBody>
-          <a:bodyPr vert="horz" wrap="none" lIns="91440" tIns="45720" rIns="91440" bIns="45720" numCol="1" anchor="ctr" anchorCtr="0" compatLnSpc="1">
-            <a:prstTxWarp prst="textNoShape">
-              <a:avLst/>
-            </a:prstTxWarp>
-            <a:spAutoFit/>
-          </a:bodyPr>
-          <a:lstStyle/>
-          <a:p>
-            <a:pPr marL="0" marR="0" lvl="0" indent="0" algn="l" defTabSz="914400" rtl="0" eaLnBrk="0" fontAlgn="base" latinLnBrk="0" hangingPunct="0">
-              <a:lnSpc>
-                <a:spcPct val="100000"/>
-              </a:lnSpc>
-              <a:spcBef>
-                <a:spcPct val="0"/>
-              </a:spcBef>
-              <a:spcAft>
-                <a:spcPct val="0"/>
-              </a:spcAft>
-              <a:buClrTx/>
-              <a:buSzTx/>
-              <a:buFontTx/>
-              <a:buNone/>
-              <a:tabLst/>
-            </a:pPr>
-            <a:r>
-              <a:rPr kumimoji="0" lang="ja-JP" altLang="ja-JP" sz="1800" b="0" i="0" u="none" strike="noStrike" cap="none" normalizeH="0" baseline="0" smtClean="0">
-                <a:ln>
-                  <a:noFill/>
-                </a:ln>
-                <a:solidFill>
-                  <a:schemeClr val="tx1"/>
-                </a:solidFill>
-                <a:effectLst/>
-                <a:latin typeface="Arial" panose="020B0604020202020204" pitchFamily="34" charset="0"/>
-              </a:rPr>
-              <a:t>  </a:t>
-            </a:r>
-            <a:r>
-              <a:rPr kumimoji="0" lang="ja-JP" altLang="ja-JP" sz="51100" b="0" i="0" u="none" strike="noStrike" cap="none" normalizeH="0" baseline="0" smtClean="0">
-                <a:ln>
-                  <a:noFill/>
-                </a:ln>
-                <a:solidFill>
-                  <a:schemeClr val="tx1"/>
-                </a:solidFill>
-                <a:effectLst/>
-                <a:latin typeface="Arial" panose="020B0604020202020204" pitchFamily="34" charset="0"/>
-              </a:rPr>
-              <a:t/>
-            </a:r>
-            <a:br>
-              <a:rPr kumimoji="0" lang="ja-JP" altLang="ja-JP" sz="51100" b="0" i="0" u="none" strike="noStrike" cap="none" normalizeH="0" baseline="0" smtClean="0">
-                <a:ln>
-                  <a:noFill/>
-                </a:ln>
-                <a:solidFill>
-                  <a:schemeClr val="tx1"/>
-                </a:solidFill>
-                <a:effectLst/>
-                <a:latin typeface="Arial" panose="020B0604020202020204" pitchFamily="34" charset="0"/>
-              </a:rPr>
-            </a:br>
-            <a:endParaRPr kumimoji="0" lang="ja-JP" altLang="ja-JP" sz="1800" b="0" i="0" u="none" strike="noStrike" cap="none" normalizeH="0" baseline="0" smtClean="0">
-              <a:ln>
-                <a:noFill/>
-              </a:ln>
-              <a:solidFill>
-                <a:schemeClr val="tx1"/>
-              </a:solidFill>
-              <a:effectLst/>
-              <a:latin typeface="Arial" panose="020B0604020202020204" pitchFamily="34" charset="0"/>
-            </a:endParaRPr>
-          </a:p>
-          <a:p>
-            <a:pPr marL="0" marR="0" lvl="0" indent="0" algn="l" defTabSz="914400" rtl="0" eaLnBrk="0" fontAlgn="base" latinLnBrk="0" hangingPunct="0">
-              <a:lnSpc>
-                <a:spcPct val="100000"/>
-              </a:lnSpc>
-              <a:spcBef>
-                <a:spcPct val="0"/>
-              </a:spcBef>
-              <a:spcAft>
-                <a:spcPct val="0"/>
-              </a:spcAft>
-              <a:buClrTx/>
-              <a:buSzTx/>
-              <a:buFontTx/>
-              <a:buNone/>
-              <a:tabLst/>
-            </a:pPr>
-            <a:r>
-              <a:rPr kumimoji="0" lang="ja-JP" altLang="ja-JP" sz="1300" b="0" i="0" u="none" strike="noStrike" cap="none" normalizeH="0" baseline="0" smtClean="0">
-                <a:ln>
-                  <a:noFill/>
-                </a:ln>
-                <a:solidFill>
-                  <a:srgbClr val="000000"/>
-                </a:solidFill>
-                <a:effectLst/>
-                <a:latin typeface="Arial" panose="020B0604020202020204" pitchFamily="34" charset="0"/>
-                <a:cs typeface="Arial" panose="020B0604020202020204" pitchFamily="34" charset="0"/>
-              </a:rPr>
-              <a:t>ボスのHP</a:t>
-            </a:r>
-            <a:endParaRPr kumimoji="0" lang="ja-JP" altLang="ja-JP" sz="800" b="0" i="0" u="none" strike="noStrike" cap="none" normalizeH="0" baseline="0" smtClean="0">
-              <a:ln>
-                <a:noFill/>
-              </a:ln>
-              <a:solidFill>
-                <a:schemeClr val="tx1"/>
-              </a:solidFill>
-              <a:effectLst/>
-            </a:endParaRPr>
-          </a:p>
-          <a:p>
-            <a:pPr marL="0" marR="0" lvl="0" indent="0" algn="l" defTabSz="914400" rtl="0" eaLnBrk="0" fontAlgn="base" latinLnBrk="0" hangingPunct="0">
-              <a:lnSpc>
-                <a:spcPct val="100000"/>
-              </a:lnSpc>
-              <a:spcBef>
-                <a:spcPct val="0"/>
-              </a:spcBef>
-              <a:spcAft>
-                <a:spcPct val="0"/>
-              </a:spcAft>
-              <a:buClrTx/>
-              <a:buSzTx/>
-              <a:buFontTx/>
-              <a:buNone/>
-              <a:tabLst/>
-            </a:pPr>
-            <a:endParaRPr kumimoji="0" lang="ja-JP" altLang="ja-JP" sz="800" b="0" i="0" u="none" strike="noStrike" cap="none" normalizeH="0" baseline="0" smtClean="0">
-              <a:ln>
-                <a:noFill/>
-              </a:ln>
-              <a:solidFill>
-                <a:schemeClr val="tx1"/>
-              </a:solidFill>
-              <a:effectLst/>
-            </a:endParaRPr>
-          </a:p>
-          <a:p>
-            <a:pPr marL="0" marR="0" lvl="0" indent="0" algn="l" defTabSz="914400" rtl="0" eaLnBrk="0" fontAlgn="base" latinLnBrk="0" hangingPunct="0">
-              <a:lnSpc>
-                <a:spcPct val="100000"/>
-              </a:lnSpc>
-              <a:spcBef>
-                <a:spcPct val="0"/>
-              </a:spcBef>
-              <a:spcAft>
-                <a:spcPct val="0"/>
-              </a:spcAft>
-              <a:buClrTx/>
-              <a:buSzTx/>
-              <a:buFontTx/>
-              <a:buNone/>
-              <a:tabLst/>
-            </a:pPr>
-            <a:r>
-              <a:rPr kumimoji="0" lang="ja-JP" altLang="ja-JP" sz="1800" b="0" i="0" u="none" strike="noStrike" cap="none" normalizeH="0" baseline="0" smtClean="0">
-                <a:ln>
-                  <a:noFill/>
-                </a:ln>
-                <a:solidFill>
-                  <a:schemeClr val="tx1"/>
-                </a:solidFill>
-                <a:effectLst/>
-                <a:latin typeface="Arial" panose="020B0604020202020204" pitchFamily="34" charset="0"/>
-              </a:rPr>
-              <a:t/>
-            </a:r>
-            <a:br>
-              <a:rPr kumimoji="0" lang="ja-JP" altLang="ja-JP" sz="1800" b="0" i="0" u="none" strike="noStrike" cap="none" normalizeH="0" baseline="0" smtClean="0">
-                <a:ln>
-                  <a:noFill/>
-                </a:ln>
-                <a:solidFill>
-                  <a:schemeClr val="tx1"/>
-                </a:solidFill>
-                <a:effectLst/>
-                <a:latin typeface="Arial" panose="020B0604020202020204" pitchFamily="34" charset="0"/>
-              </a:rPr>
-            </a:br>
-            <a:endParaRPr kumimoji="0" lang="ja-JP" altLang="ja-JP" sz="1800" b="0" i="0" u="none" strike="noStrike" cap="none" normalizeH="0" baseline="0" smtClean="0">
-              <a:ln>
-                <a:noFill/>
-              </a:ln>
-              <a:solidFill>
-                <a:schemeClr val="tx1"/>
-              </a:solidFill>
-              <a:effectLst/>
-              <a:latin typeface="Arial" panose="020B0604020202020204" pitchFamily="34" charset="0"/>
-            </a:endParaRPr>
-          </a:p>
-          <a:p>
-            <a:pPr marL="0" marR="0" lvl="0" indent="0" algn="l" defTabSz="914400" rtl="0" eaLnBrk="0" fontAlgn="base" latinLnBrk="0" hangingPunct="0">
-              <a:lnSpc>
-                <a:spcPct val="100000"/>
-              </a:lnSpc>
-              <a:spcBef>
-                <a:spcPct val="0"/>
-              </a:spcBef>
-              <a:spcAft>
-                <a:spcPct val="0"/>
-              </a:spcAft>
-              <a:buClrTx/>
-              <a:buSzTx/>
-              <a:buFontTx/>
-              <a:buNone/>
-              <a:tabLst/>
-            </a:pPr>
-            <a:r>
-              <a:rPr kumimoji="0" lang="ja-JP" altLang="ja-JP" sz="1300" b="0" i="0" u="none" strike="noStrike" cap="none" normalizeH="0" baseline="0" smtClean="0">
-                <a:ln>
-                  <a:noFill/>
-                </a:ln>
-                <a:solidFill>
-                  <a:srgbClr val="000000"/>
-                </a:solidFill>
-                <a:effectLst/>
-                <a:latin typeface="Arial" panose="020B0604020202020204" pitchFamily="34" charset="0"/>
-                <a:cs typeface="Arial" panose="020B0604020202020204" pitchFamily="34" charset="0"/>
-              </a:rPr>
-              <a:t>マップ</a:t>
-            </a:r>
-            <a:endParaRPr kumimoji="0" lang="ja-JP" altLang="ja-JP" sz="800" b="0" i="0" u="none" strike="noStrike" cap="none" normalizeH="0" baseline="0" smtClean="0">
-              <a:ln>
-                <a:noFill/>
-              </a:ln>
-              <a:solidFill>
-                <a:schemeClr val="tx1"/>
-              </a:solidFill>
-              <a:effectLst/>
-            </a:endParaRPr>
-          </a:p>
-          <a:p>
-            <a:pPr marL="0" marR="0" lvl="0" indent="0" algn="l" defTabSz="914400" rtl="0" eaLnBrk="0" fontAlgn="base" latinLnBrk="0" hangingPunct="0">
-              <a:lnSpc>
-                <a:spcPct val="100000"/>
-              </a:lnSpc>
-              <a:spcBef>
-                <a:spcPct val="0"/>
-              </a:spcBef>
-              <a:spcAft>
-                <a:spcPct val="0"/>
-              </a:spcAft>
-              <a:buClrTx/>
-              <a:buSzTx/>
-              <a:buFontTx/>
-              <a:buNone/>
-              <a:tabLst/>
-            </a:pPr>
-            <a:endParaRPr kumimoji="0" lang="ja-JP" altLang="ja-JP" sz="800" b="0" i="0" u="none" strike="noStrike" cap="none" normalizeH="0" baseline="0" smtClean="0">
-              <a:ln>
-                <a:noFill/>
-              </a:ln>
-              <a:solidFill>
-                <a:schemeClr val="tx1"/>
-              </a:solidFill>
-              <a:effectLst/>
-            </a:endParaRPr>
-          </a:p>
-          <a:p>
-            <a:pPr marL="0" marR="0" lvl="0" indent="0" algn="l" defTabSz="914400" rtl="0" eaLnBrk="0" fontAlgn="base" latinLnBrk="0" hangingPunct="0">
-              <a:lnSpc>
-                <a:spcPct val="100000"/>
-              </a:lnSpc>
-              <a:spcBef>
-                <a:spcPct val="0"/>
-              </a:spcBef>
-              <a:spcAft>
-                <a:spcPct val="0"/>
-              </a:spcAft>
-              <a:buClrTx/>
-              <a:buSzTx/>
-              <a:buFontTx/>
-              <a:buNone/>
-              <a:tabLst/>
-            </a:pPr>
-            <a:r>
-              <a:rPr kumimoji="0" lang="ja-JP" altLang="ja-JP" sz="1800" b="0" i="0" u="none" strike="noStrike" cap="none" normalizeH="0" baseline="0" smtClean="0">
-                <a:ln>
-                  <a:noFill/>
-                </a:ln>
-                <a:solidFill>
-                  <a:schemeClr val="tx1"/>
-                </a:solidFill>
-                <a:effectLst/>
-                <a:latin typeface="Arial" panose="020B0604020202020204" pitchFamily="34" charset="0"/>
-              </a:rPr>
-              <a:t/>
-            </a:r>
-            <a:br>
-              <a:rPr kumimoji="0" lang="ja-JP" altLang="ja-JP" sz="1800" b="0" i="0" u="none" strike="noStrike" cap="none" normalizeH="0" baseline="0" smtClean="0">
-                <a:ln>
-                  <a:noFill/>
-                </a:ln>
-                <a:solidFill>
-                  <a:schemeClr val="tx1"/>
-                </a:solidFill>
-                <a:effectLst/>
-                <a:latin typeface="Arial" panose="020B0604020202020204" pitchFamily="34" charset="0"/>
-              </a:rPr>
-            </a:br>
-            <a:endParaRPr kumimoji="0" lang="ja-JP" altLang="ja-JP" sz="1800" b="0" i="0" u="none" strike="noStrike" cap="none" normalizeH="0" baseline="0" smtClean="0">
-              <a:ln>
-                <a:noFill/>
-              </a:ln>
-              <a:solidFill>
-                <a:schemeClr val="tx1"/>
-              </a:solidFill>
-              <a:effectLst/>
-              <a:latin typeface="Arial" panose="020B0604020202020204" pitchFamily="34" charset="0"/>
-            </a:endParaRPr>
-          </a:p>
-          <a:p>
-            <a:pPr marL="0" marR="0" lvl="0" indent="0" algn="l" defTabSz="914400" rtl="0" eaLnBrk="0" fontAlgn="base" latinLnBrk="0" hangingPunct="0">
-              <a:lnSpc>
-                <a:spcPct val="100000"/>
-              </a:lnSpc>
-              <a:spcBef>
-                <a:spcPct val="0"/>
-              </a:spcBef>
-              <a:spcAft>
-                <a:spcPct val="0"/>
-              </a:spcAft>
-              <a:buClrTx/>
-              <a:buSzTx/>
-              <a:buFontTx/>
-              <a:buNone/>
-              <a:tabLst/>
-            </a:pPr>
-            <a:r>
-              <a:rPr kumimoji="0" lang="ja-JP" altLang="ja-JP" sz="1300" b="0" i="0" u="none" strike="noStrike" cap="none" normalizeH="0" baseline="0" smtClean="0">
-                <a:ln>
-                  <a:noFill/>
-                </a:ln>
-                <a:solidFill>
-                  <a:srgbClr val="000000"/>
-                </a:solidFill>
-                <a:effectLst/>
-                <a:latin typeface="Arial" panose="020B0604020202020204" pitchFamily="34" charset="0"/>
-                <a:cs typeface="Arial" panose="020B0604020202020204" pitchFamily="34" charset="0"/>
-              </a:rPr>
-              <a:t>操作説明</a:t>
-            </a:r>
-            <a:endParaRPr kumimoji="0" lang="ja-JP" altLang="ja-JP" sz="800" b="0" i="0" u="none" strike="noStrike" cap="none" normalizeH="0" baseline="0" smtClean="0">
-              <a:ln>
-                <a:noFill/>
-              </a:ln>
-              <a:solidFill>
-                <a:schemeClr val="tx1"/>
-              </a:solidFill>
-              <a:effectLst/>
-            </a:endParaRPr>
-          </a:p>
-          <a:p>
-            <a:pPr marL="0" marR="0" lvl="0" indent="0" algn="l" defTabSz="914400" rtl="0" eaLnBrk="0" fontAlgn="base" latinLnBrk="0" hangingPunct="0">
-              <a:lnSpc>
-                <a:spcPct val="100000"/>
-              </a:lnSpc>
-              <a:spcBef>
-                <a:spcPct val="0"/>
-              </a:spcBef>
-              <a:spcAft>
-                <a:spcPct val="0"/>
-              </a:spcAft>
-              <a:buClrTx/>
-              <a:buSzTx/>
-              <a:buFontTx/>
-              <a:buNone/>
-              <a:tabLst/>
-            </a:pPr>
-            <a:r>
-              <a:rPr kumimoji="0" lang="ja-JP" altLang="ja-JP" sz="1300" b="0" i="0" u="none" strike="noStrike" cap="none" normalizeH="0" baseline="0" smtClean="0">
-                <a:ln>
-                  <a:noFill/>
-                </a:ln>
-                <a:solidFill>
-                  <a:srgbClr val="000000"/>
-                </a:solidFill>
-                <a:effectLst/>
-                <a:latin typeface="Arial" panose="020B0604020202020204" pitchFamily="34" charset="0"/>
-                <a:cs typeface="Arial" panose="020B0604020202020204" pitchFamily="34" charset="0"/>
-              </a:rPr>
-              <a:t>メイン・サブ・必殺技など</a:t>
-            </a:r>
-            <a:endParaRPr kumimoji="0" lang="ja-JP" altLang="ja-JP" sz="800" b="0" i="0" u="none" strike="noStrike" cap="none" normalizeH="0" baseline="0" smtClean="0">
-              <a:ln>
-                <a:noFill/>
-              </a:ln>
-              <a:solidFill>
-                <a:schemeClr val="tx1"/>
-              </a:solidFill>
-              <a:effectLst/>
-            </a:endParaRPr>
-          </a:p>
-          <a:p>
-            <a:pPr marL="0" marR="0" lvl="0" indent="0" algn="l" defTabSz="914400" rtl="0" eaLnBrk="0" fontAlgn="base" latinLnBrk="0" hangingPunct="0">
-              <a:lnSpc>
-                <a:spcPct val="100000"/>
-              </a:lnSpc>
-              <a:spcBef>
-                <a:spcPct val="0"/>
-              </a:spcBef>
-              <a:spcAft>
-                <a:spcPct val="0"/>
-              </a:spcAft>
-              <a:buClrTx/>
-              <a:buSzTx/>
-              <a:buFontTx/>
-              <a:buNone/>
-              <a:tabLst/>
-            </a:pPr>
-            <a:r>
-              <a:rPr kumimoji="0" lang="ja-JP" altLang="ja-JP" sz="1800" b="0" i="0" u="none" strike="noStrike" cap="none" normalizeH="0" baseline="0" smtClean="0">
-                <a:ln>
-                  <a:noFill/>
-                </a:ln>
-                <a:solidFill>
-                  <a:schemeClr val="tx1"/>
-                </a:solidFill>
-                <a:effectLst/>
-                <a:latin typeface="Arial" panose="020B0604020202020204" pitchFamily="34" charset="0"/>
-              </a:rPr>
-              <a:t/>
-            </a:r>
-            <a:br>
-              <a:rPr kumimoji="0" lang="ja-JP" altLang="ja-JP" sz="1800" b="0" i="0" u="none" strike="noStrike" cap="none" normalizeH="0" baseline="0" smtClean="0">
-                <a:ln>
-                  <a:noFill/>
-                </a:ln>
-                <a:solidFill>
-                  <a:schemeClr val="tx1"/>
-                </a:solidFill>
-                <a:effectLst/>
-                <a:latin typeface="Arial" panose="020B0604020202020204" pitchFamily="34" charset="0"/>
-              </a:rPr>
-            </a:br>
-            <a:endParaRPr kumimoji="0" lang="ja-JP" altLang="ja-JP" sz="1800" b="0" i="0" u="none" strike="noStrike" cap="none" normalizeH="0" baseline="0" smtClean="0">
-              <a:ln>
-                <a:noFill/>
-              </a:ln>
-              <a:solidFill>
-                <a:schemeClr val="tx1"/>
-              </a:solidFill>
-              <a:effectLst/>
-              <a:latin typeface="Arial" panose="020B0604020202020204" pitchFamily="34" charset="0"/>
-            </a:endParaRPr>
-          </a:p>
-          <a:p>
-            <a:pPr marL="0" marR="0" lvl="0" indent="0" algn="l" defTabSz="914400" rtl="0" eaLnBrk="0" fontAlgn="base" latinLnBrk="0" hangingPunct="0">
-              <a:lnSpc>
-                <a:spcPct val="100000"/>
-              </a:lnSpc>
-              <a:spcBef>
-                <a:spcPct val="0"/>
-              </a:spcBef>
-              <a:spcAft>
-                <a:spcPct val="0"/>
-              </a:spcAft>
-              <a:buClrTx/>
-              <a:buSzTx/>
-              <a:buFontTx/>
-              <a:buNone/>
-              <a:tabLst/>
-            </a:pPr>
-            <a:r>
-              <a:rPr kumimoji="0" lang="ja-JP" altLang="ja-JP" sz="1300" b="0" i="0" u="none" strike="noStrike" cap="none" normalizeH="0" baseline="0" smtClean="0">
-                <a:ln>
-                  <a:noFill/>
-                </a:ln>
-                <a:solidFill>
-                  <a:srgbClr val="000000"/>
-                </a:solidFill>
-                <a:effectLst/>
-                <a:latin typeface="Arial" panose="020B0604020202020204" pitchFamily="34" charset="0"/>
-                <a:cs typeface="Arial" panose="020B0604020202020204" pitchFamily="34" charset="0"/>
-              </a:rPr>
-              <a:t>プレイヤーのHP</a:t>
-            </a:r>
-            <a:endParaRPr kumimoji="0" lang="ja-JP" altLang="ja-JP" sz="800" b="0" i="0" u="none" strike="noStrike" cap="none" normalizeH="0" baseline="0" smtClean="0">
-              <a:ln>
-                <a:noFill/>
-              </a:ln>
-              <a:solidFill>
-                <a:schemeClr val="tx1"/>
-              </a:solidFill>
-              <a:effectLst/>
-            </a:endParaRPr>
-          </a:p>
-          <a:p>
-            <a:pPr marL="0" marR="0" lvl="0" indent="0" algn="l" defTabSz="914400" rtl="0" eaLnBrk="0" fontAlgn="base" latinLnBrk="0" hangingPunct="0">
-              <a:lnSpc>
-                <a:spcPct val="100000"/>
-              </a:lnSpc>
-              <a:spcBef>
-                <a:spcPct val="0"/>
-              </a:spcBef>
-              <a:spcAft>
-                <a:spcPct val="0"/>
-              </a:spcAft>
-              <a:buClrTx/>
-              <a:buSzTx/>
-              <a:buFontTx/>
-              <a:buNone/>
-              <a:tabLst/>
-            </a:pPr>
-            <a:r>
-              <a:rPr kumimoji="0" lang="ja-JP" altLang="ja-JP" sz="1800" b="0" i="0" u="none" strike="noStrike" cap="none" normalizeH="0" baseline="0" smtClean="0">
-                <a:ln>
-                  <a:noFill/>
-                </a:ln>
-                <a:solidFill>
-                  <a:schemeClr val="tx1"/>
-                </a:solidFill>
-                <a:effectLst/>
-                <a:latin typeface="Arial" panose="020B0604020202020204" pitchFamily="34" charset="0"/>
-              </a:rPr>
-              <a:t/>
-            </a:r>
-            <a:br>
-              <a:rPr kumimoji="0" lang="ja-JP" altLang="ja-JP" sz="1800" b="0" i="0" u="none" strike="noStrike" cap="none" normalizeH="0" baseline="0" smtClean="0">
-                <a:ln>
-                  <a:noFill/>
-                </a:ln>
-                <a:solidFill>
-                  <a:schemeClr val="tx1"/>
-                </a:solidFill>
-                <a:effectLst/>
-                <a:latin typeface="Arial" panose="020B0604020202020204" pitchFamily="34" charset="0"/>
-              </a:rPr>
-            </a:br>
-            <a:endParaRPr kumimoji="0" lang="ja-JP" altLang="ja-JP" sz="1800" b="0" i="0" u="none" strike="noStrike" cap="none" normalizeH="0" baseline="0" smtClean="0">
-              <a:ln>
-                <a:noFill/>
-              </a:ln>
-              <a:solidFill>
-                <a:schemeClr val="tx1"/>
-              </a:solidFill>
-              <a:effectLst/>
-              <a:latin typeface="Arial" panose="020B0604020202020204" pitchFamily="34" charset="0"/>
-            </a:endParaRPr>
-          </a:p>
-        </p:txBody>
-      </p:sp>
       <p:pic>
         <p:nvPicPr>
           <p:cNvPr id="1030" name="Picture 6" descr="https://lh6.googleusercontent.com/bY5nHjFwuPN1_qBFl62PbS1M7TQs-WOg65U375KZQmDKIvvg7moUVEIDFIcJpSHorbCWkmA6-uq6KnDOP9BqTAWSYSGldqOYSpM8ZzaelAXP3G_NwCLAwrkcyrJN8T9PJjLSYp5uMZ4Xrhi-WDtwM7sRh_f85m6YRiio-cqoENwSXizeHpSkSV2KutWl"/>

--- a/企画.pptx
+++ b/企画.pptx
@@ -245,7 +245,7 @@
           <a:p>
             <a:fld id="{491EC75C-74C4-4CAA-9320-2825C0DAA392}" type="datetimeFigureOut">
               <a:rPr kumimoji="1" lang="ja-JP" altLang="en-US" smtClean="0"/>
-              <a:t>2022/11/2</a:t>
+              <a:t>2022/11/21</a:t>
             </a:fld>
             <a:endParaRPr kumimoji="1" lang="ja-JP" altLang="en-US"/>
           </a:p>
@@ -447,7 +447,7 @@
           <a:p>
             <a:fld id="{491EC75C-74C4-4CAA-9320-2825C0DAA392}" type="datetimeFigureOut">
               <a:rPr kumimoji="1" lang="ja-JP" altLang="en-US" smtClean="0"/>
-              <a:t>2022/11/2</a:t>
+              <a:t>2022/11/21</a:t>
             </a:fld>
             <a:endParaRPr kumimoji="1" lang="ja-JP" altLang="en-US"/>
           </a:p>
@@ -659,7 +659,7 @@
           <a:p>
             <a:fld id="{491EC75C-74C4-4CAA-9320-2825C0DAA392}" type="datetimeFigureOut">
               <a:rPr kumimoji="1" lang="ja-JP" altLang="en-US" smtClean="0"/>
-              <a:t>2022/11/2</a:t>
+              <a:t>2022/11/21</a:t>
             </a:fld>
             <a:endParaRPr kumimoji="1" lang="ja-JP" altLang="en-US"/>
           </a:p>
@@ -861,7 +861,7 @@
           <a:p>
             <a:fld id="{491EC75C-74C4-4CAA-9320-2825C0DAA392}" type="datetimeFigureOut">
               <a:rPr kumimoji="1" lang="ja-JP" altLang="en-US" smtClean="0"/>
-              <a:t>2022/11/2</a:t>
+              <a:t>2022/11/21</a:t>
             </a:fld>
             <a:endParaRPr kumimoji="1" lang="ja-JP" altLang="en-US"/>
           </a:p>
@@ -1107,7 +1107,7 @@
           <a:p>
             <a:fld id="{491EC75C-74C4-4CAA-9320-2825C0DAA392}" type="datetimeFigureOut">
               <a:rPr kumimoji="1" lang="ja-JP" altLang="en-US" smtClean="0"/>
-              <a:t>2022/11/2</a:t>
+              <a:t>2022/11/21</a:t>
             </a:fld>
             <a:endParaRPr kumimoji="1" lang="ja-JP" altLang="en-US"/>
           </a:p>
@@ -1403,7 +1403,7 @@
           <a:p>
             <a:fld id="{491EC75C-74C4-4CAA-9320-2825C0DAA392}" type="datetimeFigureOut">
               <a:rPr kumimoji="1" lang="ja-JP" altLang="en-US" smtClean="0"/>
-              <a:t>2022/11/2</a:t>
+              <a:t>2022/11/21</a:t>
             </a:fld>
             <a:endParaRPr kumimoji="1" lang="ja-JP" altLang="en-US"/>
           </a:p>
@@ -1834,7 +1834,7 @@
           <a:p>
             <a:fld id="{491EC75C-74C4-4CAA-9320-2825C0DAA392}" type="datetimeFigureOut">
               <a:rPr kumimoji="1" lang="ja-JP" altLang="en-US" smtClean="0"/>
-              <a:t>2022/11/2</a:t>
+              <a:t>2022/11/21</a:t>
             </a:fld>
             <a:endParaRPr kumimoji="1" lang="ja-JP" altLang="en-US"/>
           </a:p>
@@ -1952,7 +1952,7 @@
           <a:p>
             <a:fld id="{491EC75C-74C4-4CAA-9320-2825C0DAA392}" type="datetimeFigureOut">
               <a:rPr kumimoji="1" lang="ja-JP" altLang="en-US" smtClean="0"/>
-              <a:t>2022/11/2</a:t>
+              <a:t>2022/11/21</a:t>
             </a:fld>
             <a:endParaRPr kumimoji="1" lang="ja-JP" altLang="en-US"/>
           </a:p>
@@ -2047,7 +2047,7 @@
           <a:p>
             <a:fld id="{491EC75C-74C4-4CAA-9320-2825C0DAA392}" type="datetimeFigureOut">
               <a:rPr kumimoji="1" lang="ja-JP" altLang="en-US" smtClean="0"/>
-              <a:t>2022/11/2</a:t>
+              <a:t>2022/11/21</a:t>
             </a:fld>
             <a:endParaRPr kumimoji="1" lang="ja-JP" altLang="en-US"/>
           </a:p>
@@ -2356,7 +2356,7 @@
           <a:p>
             <a:fld id="{491EC75C-74C4-4CAA-9320-2825C0DAA392}" type="datetimeFigureOut">
               <a:rPr kumimoji="1" lang="ja-JP" altLang="en-US" smtClean="0"/>
-              <a:t>2022/11/2</a:t>
+              <a:t>2022/11/21</a:t>
             </a:fld>
             <a:endParaRPr kumimoji="1" lang="ja-JP" altLang="en-US"/>
           </a:p>
@@ -2609,7 +2609,7 @@
           <a:p>
             <a:fld id="{491EC75C-74C4-4CAA-9320-2825C0DAA392}" type="datetimeFigureOut">
               <a:rPr kumimoji="1" lang="ja-JP" altLang="en-US" smtClean="0"/>
-              <a:t>2022/11/2</a:t>
+              <a:t>2022/11/21</a:t>
             </a:fld>
             <a:endParaRPr kumimoji="1" lang="ja-JP" altLang="en-US"/>
           </a:p>
@@ -2854,7 +2854,7 @@
           <a:p>
             <a:fld id="{491EC75C-74C4-4CAA-9320-2825C0DAA392}" type="datetimeFigureOut">
               <a:rPr kumimoji="1" lang="ja-JP" altLang="en-US" smtClean="0"/>
-              <a:t>2022/11/2</a:t>
+              <a:t>2022/11/21</a:t>
             </a:fld>
             <a:endParaRPr kumimoji="1" lang="ja-JP" altLang="en-US"/>
           </a:p>
@@ -3373,7 +3373,23 @@
             </a:r>
             <a:r>
               <a:rPr lang="ja-JP" altLang="en-US" sz="1600" dirty="0"/>
-              <a:t>手段は弾と格闘（機体を回転させる？）</a:t>
+              <a:t>手段は弾と格闘（機体を回転させる？</a:t>
+            </a:r>
+            <a:r>
+              <a:rPr lang="ja-JP" altLang="en-US" sz="1600" dirty="0" smtClean="0"/>
+              <a:t>）</a:t>
+            </a:r>
+            <a:r>
+              <a:rPr lang="en-US" altLang="ja-JP" sz="1600" dirty="0" smtClean="0"/>
+              <a:t>(</a:t>
+            </a:r>
+            <a:r>
+              <a:rPr lang="ja-JP" altLang="en-US" sz="1600" dirty="0"/>
+              <a:t>属性</a:t>
+            </a:r>
+            <a:r>
+              <a:rPr lang="ja-JP" altLang="en-US" sz="1600" dirty="0" smtClean="0"/>
+              <a:t>の考慮</a:t>
             </a:r>
             <a:endParaRPr lang="ja-JP" altLang="en-US" sz="1600" b="0" dirty="0" smtClean="0">
               <a:effectLst/>
@@ -3424,8 +3440,8 @@
               <a:t>SE</a:t>
             </a:r>
             <a:r>
-              <a:rPr lang="ja-JP" altLang="en-US" sz="1600" dirty="0"/>
-              <a:t>自作</a:t>
+              <a:rPr lang="ja-JP" altLang="en-US" sz="1600" dirty="0" smtClean="0"/>
+              <a:t>自作（仮</a:t>
             </a:r>
             <a:endParaRPr lang="ja-JP" altLang="en-US" sz="1600" b="0" dirty="0" smtClean="0">
               <a:effectLst/>
@@ -3480,11 +3496,43 @@
             </a:endParaRPr>
           </a:p>
           <a:p>
+            <a:pPr marL="0" indent="0">
+              <a:buNone/>
+            </a:pPr>
+            <a:r>
+              <a:rPr lang="ja-JP" altLang="en-US" sz="1600" b="0" dirty="0" smtClean="0">
+                <a:effectLst/>
+              </a:rPr>
+              <a:t>操作方法　（十字キーで上下左右移動）</a:t>
+            </a:r>
+            <a:endParaRPr lang="en-US" altLang="ja-JP" sz="1600" b="0" dirty="0" smtClean="0">
+              <a:effectLst/>
+            </a:endParaRPr>
+          </a:p>
+          <a:p>
+            <a:pPr marL="0" indent="0">
+              <a:buNone/>
+            </a:pPr>
+            <a:r>
+              <a:rPr lang="ja-JP" altLang="en-US" sz="1600" dirty="0" smtClean="0"/>
+              <a:t>弾（</a:t>
+            </a:r>
+            <a:r>
+              <a:rPr lang="ja-JP" altLang="en-US" sz="1600" dirty="0" err="1" smtClean="0"/>
+              <a:t>ｚ</a:t>
+            </a:r>
+            <a:r>
+              <a:rPr lang="ja-JP" altLang="en-US" sz="1600" dirty="0" smtClean="0"/>
+              <a:t>でメイン、ｘでサブ（仮）</a:t>
+            </a:r>
             <a:endParaRPr lang="ja-JP" altLang="en-US" sz="1600" b="0" dirty="0" smtClean="0">
               <a:effectLst/>
             </a:endParaRPr>
           </a:p>
           <a:p>
+            <a:pPr marL="0" indent="0">
+              <a:buNone/>
+            </a:pPr>
             <a:r>
               <a:rPr lang="ja-JP" altLang="en-US" sz="1600" dirty="0" smtClean="0"/>
               <a:t/>
@@ -4202,6 +4250,13 @@
   <p:clrMapOvr>
     <a:masterClrMapping/>
   </p:clrMapOvr>
+  <p:timing>
+    <p:tnLst>
+      <p:par>
+        <p:cTn id="1" dur="indefinite" restart="never" nodeType="tmRoot"/>
+      </p:par>
+    </p:tnLst>
+  </p:timing>
 </p:sld>
 </file>
 

--- a/企画.pptx
+++ b/企画.pptx
@@ -7,7 +7,6 @@
   <p:sldIdLst>
     <p:sldId id="257" r:id="rId2"/>
     <p:sldId id="258" r:id="rId3"/>
-    <p:sldId id="259" r:id="rId4"/>
   </p:sldIdLst>
   <p:sldSz cx="12192000" cy="6858000"/>
   <p:notesSz cx="6858000" cy="9144000"/>
@@ -245,7 +244,7 @@
           <a:p>
             <a:fld id="{491EC75C-74C4-4CAA-9320-2825C0DAA392}" type="datetimeFigureOut">
               <a:rPr kumimoji="1" lang="ja-JP" altLang="en-US" smtClean="0"/>
-              <a:t>2022/11/21</a:t>
+              <a:t>2023/1/17</a:t>
             </a:fld>
             <a:endParaRPr kumimoji="1" lang="ja-JP" altLang="en-US"/>
           </a:p>
@@ -447,7 +446,7 @@
           <a:p>
             <a:fld id="{491EC75C-74C4-4CAA-9320-2825C0DAA392}" type="datetimeFigureOut">
               <a:rPr kumimoji="1" lang="ja-JP" altLang="en-US" smtClean="0"/>
-              <a:t>2022/11/21</a:t>
+              <a:t>2023/1/17</a:t>
             </a:fld>
             <a:endParaRPr kumimoji="1" lang="ja-JP" altLang="en-US"/>
           </a:p>
@@ -659,7 +658,7 @@
           <a:p>
             <a:fld id="{491EC75C-74C4-4CAA-9320-2825C0DAA392}" type="datetimeFigureOut">
               <a:rPr kumimoji="1" lang="ja-JP" altLang="en-US" smtClean="0"/>
-              <a:t>2022/11/21</a:t>
+              <a:t>2023/1/17</a:t>
             </a:fld>
             <a:endParaRPr kumimoji="1" lang="ja-JP" altLang="en-US"/>
           </a:p>
@@ -861,7 +860,7 @@
           <a:p>
             <a:fld id="{491EC75C-74C4-4CAA-9320-2825C0DAA392}" type="datetimeFigureOut">
               <a:rPr kumimoji="1" lang="ja-JP" altLang="en-US" smtClean="0"/>
-              <a:t>2022/11/21</a:t>
+              <a:t>2023/1/17</a:t>
             </a:fld>
             <a:endParaRPr kumimoji="1" lang="ja-JP" altLang="en-US"/>
           </a:p>
@@ -1107,7 +1106,7 @@
           <a:p>
             <a:fld id="{491EC75C-74C4-4CAA-9320-2825C0DAA392}" type="datetimeFigureOut">
               <a:rPr kumimoji="1" lang="ja-JP" altLang="en-US" smtClean="0"/>
-              <a:t>2022/11/21</a:t>
+              <a:t>2023/1/17</a:t>
             </a:fld>
             <a:endParaRPr kumimoji="1" lang="ja-JP" altLang="en-US"/>
           </a:p>
@@ -1403,7 +1402,7 @@
           <a:p>
             <a:fld id="{491EC75C-74C4-4CAA-9320-2825C0DAA392}" type="datetimeFigureOut">
               <a:rPr kumimoji="1" lang="ja-JP" altLang="en-US" smtClean="0"/>
-              <a:t>2022/11/21</a:t>
+              <a:t>2023/1/17</a:t>
             </a:fld>
             <a:endParaRPr kumimoji="1" lang="ja-JP" altLang="en-US"/>
           </a:p>
@@ -1834,7 +1833,7 @@
           <a:p>
             <a:fld id="{491EC75C-74C4-4CAA-9320-2825C0DAA392}" type="datetimeFigureOut">
               <a:rPr kumimoji="1" lang="ja-JP" altLang="en-US" smtClean="0"/>
-              <a:t>2022/11/21</a:t>
+              <a:t>2023/1/17</a:t>
             </a:fld>
             <a:endParaRPr kumimoji="1" lang="ja-JP" altLang="en-US"/>
           </a:p>
@@ -1952,7 +1951,7 @@
           <a:p>
             <a:fld id="{491EC75C-74C4-4CAA-9320-2825C0DAA392}" type="datetimeFigureOut">
               <a:rPr kumimoji="1" lang="ja-JP" altLang="en-US" smtClean="0"/>
-              <a:t>2022/11/21</a:t>
+              <a:t>2023/1/17</a:t>
             </a:fld>
             <a:endParaRPr kumimoji="1" lang="ja-JP" altLang="en-US"/>
           </a:p>
@@ -2047,7 +2046,7 @@
           <a:p>
             <a:fld id="{491EC75C-74C4-4CAA-9320-2825C0DAA392}" type="datetimeFigureOut">
               <a:rPr kumimoji="1" lang="ja-JP" altLang="en-US" smtClean="0"/>
-              <a:t>2022/11/21</a:t>
+              <a:t>2023/1/17</a:t>
             </a:fld>
             <a:endParaRPr kumimoji="1" lang="ja-JP" altLang="en-US"/>
           </a:p>
@@ -2356,7 +2355,7 @@
           <a:p>
             <a:fld id="{491EC75C-74C4-4CAA-9320-2825C0DAA392}" type="datetimeFigureOut">
               <a:rPr kumimoji="1" lang="ja-JP" altLang="en-US" smtClean="0"/>
-              <a:t>2022/11/21</a:t>
+              <a:t>2023/1/17</a:t>
             </a:fld>
             <a:endParaRPr kumimoji="1" lang="ja-JP" altLang="en-US"/>
           </a:p>
@@ -2609,7 +2608,7 @@
           <a:p>
             <a:fld id="{491EC75C-74C4-4CAA-9320-2825C0DAA392}" type="datetimeFigureOut">
               <a:rPr kumimoji="1" lang="ja-JP" altLang="en-US" smtClean="0"/>
-              <a:t>2022/11/21</a:t>
+              <a:t>2023/1/17</a:t>
             </a:fld>
             <a:endParaRPr kumimoji="1" lang="ja-JP" altLang="en-US"/>
           </a:p>
@@ -2854,7 +2853,7 @@
           <a:p>
             <a:fld id="{491EC75C-74C4-4CAA-9320-2825C0DAA392}" type="datetimeFigureOut">
               <a:rPr kumimoji="1" lang="ja-JP" altLang="en-US" smtClean="0"/>
-              <a:t>2022/11/21</a:t>
+              <a:t>2023/1/17</a:t>
             </a:fld>
             <a:endParaRPr kumimoji="1" lang="ja-JP" altLang="en-US"/>
           </a:p>
@@ -3285,12 +3284,8 @@
               <a:buNone/>
             </a:pPr>
             <a:r>
-              <a:rPr lang="ja-JP" altLang="en-US" sz="3600" dirty="0"/>
-              <a:t>縦スクロール型の</a:t>
-            </a:r>
-            <a:r>
               <a:rPr lang="ja-JP" altLang="en-US" sz="3600" dirty="0" smtClean="0"/>
-              <a:t>シューティングゲーム</a:t>
+              <a:t>シューティングゲーム（仮）</a:t>
             </a:r>
             <a:endParaRPr lang="en-US" altLang="ja-JP" sz="3600" dirty="0"/>
           </a:p>
@@ -3583,7 +3578,7 @@
         <p:spPr>
           <a:xfrm>
             <a:off x="304799" y="164790"/>
-            <a:ext cx="10854431" cy="7078861"/>
+            <a:ext cx="10854431" cy="5847755"/>
           </a:xfrm>
           <a:prstGeom prst="rect">
             <a:avLst/>
@@ -3635,13 +3630,22 @@
               <a:buChar char="•"/>
             </a:pPr>
             <a:r>
-              <a:rPr lang="ja-JP" altLang="en-US" sz="2000" dirty="0">
+              <a:rPr lang="ja-JP" altLang="en-US" sz="2000" dirty="0" smtClean="0">
                 <a:solidFill>
                   <a:srgbClr val="000000"/>
                 </a:solidFill>
                 <a:latin typeface="Arial" panose="020B0604020202020204" pitchFamily="34" charset="0"/>
               </a:rPr>
-              <a:t>壁判定　山田</a:t>
+              <a:t>プレイヤー</a:t>
+            </a:r>
+            <a:r>
+              <a:rPr lang="ja-JP" altLang="en-US" sz="2000" dirty="0">
+                <a:solidFill>
+                  <a:srgbClr val="000000"/>
+                </a:solidFill>
+                <a:latin typeface="Arial" panose="020B0604020202020204" pitchFamily="34" charset="0"/>
+              </a:rPr>
+              <a:t>山田</a:t>
             </a:r>
           </a:p>
           <a:p>
@@ -3656,7 +3660,7 @@
                 </a:solidFill>
                 <a:latin typeface="Arial" panose="020B0604020202020204" pitchFamily="34" charset="0"/>
               </a:rPr>
-              <a:t>プレイヤー山田</a:t>
+              <a:t>敵（１０～３０）</a:t>
             </a:r>
           </a:p>
           <a:p>
@@ -3665,14 +3669,47 @@
               <a:buChar char="•"/>
             </a:pPr>
             <a:r>
-              <a:rPr lang="ja-JP" altLang="en-US" sz="2000" dirty="0">
+              <a:rPr lang="en-US" altLang="ja-JP" sz="2000" dirty="0" smtClean="0">
                 <a:solidFill>
                   <a:srgbClr val="000000"/>
                 </a:solidFill>
                 <a:latin typeface="Arial" panose="020B0604020202020204" pitchFamily="34" charset="0"/>
               </a:rPr>
-              <a:t>敵（１０～３０）</a:t>
-            </a:r>
+              <a:t>HP</a:t>
+            </a:r>
+            <a:r>
+              <a:rPr lang="ja-JP" altLang="en-US" sz="2000" dirty="0" smtClean="0">
+                <a:solidFill>
+                  <a:srgbClr val="000000"/>
+                </a:solidFill>
+                <a:latin typeface="Arial" panose="020B0604020202020204" pitchFamily="34" charset="0"/>
+              </a:rPr>
+              <a:t>　山田　</a:t>
+            </a:r>
+            <a:r>
+              <a:rPr lang="ja-JP" altLang="en-US" sz="2000" dirty="0">
+                <a:solidFill>
+                  <a:srgbClr val="000000"/>
+                </a:solidFill>
+                <a:latin typeface="Arial" panose="020B0604020202020204" pitchFamily="34" charset="0"/>
+              </a:rPr>
+              <a:t>　</a:t>
+            </a:r>
+            <a:r>
+              <a:rPr lang="ja-JP" altLang="en-US" sz="2000" dirty="0">
+                <a:solidFill>
+                  <a:srgbClr val="000000"/>
+                </a:solidFill>
+                <a:latin typeface="Arial" panose="020B0604020202020204" pitchFamily="34" charset="0"/>
+              </a:rPr>
+              <a:t>川瀧</a:t>
+            </a:r>
+            <a:endParaRPr lang="ja-JP" altLang="en-US" sz="2000" dirty="0">
+              <a:solidFill>
+                <a:srgbClr val="000000"/>
+              </a:solidFill>
+              <a:latin typeface="Arial" panose="020B0604020202020204" pitchFamily="34" charset="0"/>
+            </a:endParaRPr>
           </a:p>
           <a:p>
             <a:pPr fontAlgn="base">
@@ -3680,22 +3717,13 @@
               <a:buChar char="•"/>
             </a:pPr>
             <a:r>
-              <a:rPr lang="en-US" altLang="ja-JP" sz="2000" dirty="0">
+              <a:rPr lang="ja-JP" altLang="en-US" sz="2000" dirty="0">
                 <a:solidFill>
                   <a:srgbClr val="000000"/>
                 </a:solidFill>
                 <a:latin typeface="Arial" panose="020B0604020202020204" pitchFamily="34" charset="0"/>
               </a:rPr>
-              <a:t>HP</a:t>
-            </a:r>
-            <a:r>
-              <a:rPr lang="ja-JP" altLang="en-US" sz="2000" dirty="0">
-                <a:solidFill>
-                  <a:srgbClr val="000000"/>
-                </a:solidFill>
-                <a:latin typeface="Arial" panose="020B0604020202020204" pitchFamily="34" charset="0"/>
-              </a:rPr>
-              <a:t>　</a:t>
+              <a:t>ステージ切り替え機能　成島</a:t>
             </a:r>
           </a:p>
           <a:p>
@@ -3710,8 +3738,32 @@
                 </a:solidFill>
                 <a:latin typeface="Arial" panose="020B0604020202020204" pitchFamily="34" charset="0"/>
               </a:rPr>
-              <a:t>スクロール機能　川瀧</a:t>
-            </a:r>
+              <a:t>クリア・ゲームオーバー</a:t>
+            </a:r>
+            <a:r>
+              <a:rPr lang="ja-JP" altLang="en-US" sz="2000" dirty="0" smtClean="0">
+                <a:solidFill>
+                  <a:srgbClr val="000000"/>
+                </a:solidFill>
+                <a:latin typeface="Arial" panose="020B0604020202020204" pitchFamily="34" charset="0"/>
+              </a:rPr>
+              <a:t>画面</a:t>
+            </a:r>
+            <a:r>
+              <a:rPr lang="ja-JP" altLang="en-US" sz="2000" dirty="0">
+                <a:solidFill>
+                  <a:srgbClr val="000000"/>
+                </a:solidFill>
+                <a:latin typeface="Arial" panose="020B0604020202020204" pitchFamily="34" charset="0"/>
+              </a:rPr>
+              <a:t>　成島　川瀧</a:t>
+            </a:r>
+            <a:endParaRPr lang="ja-JP" altLang="en-US" sz="2000" dirty="0">
+              <a:solidFill>
+                <a:srgbClr val="000000"/>
+              </a:solidFill>
+              <a:latin typeface="Arial" panose="020B0604020202020204" pitchFamily="34" charset="0"/>
+            </a:endParaRPr>
           </a:p>
           <a:p>
             <a:pPr fontAlgn="base">
@@ -3725,7 +3777,7 @@
                 </a:solidFill>
                 <a:latin typeface="Arial" panose="020B0604020202020204" pitchFamily="34" charset="0"/>
               </a:rPr>
-              <a:t>ステージ切り替え機能　成島</a:t>
+              <a:t>ギミック　森山</a:t>
             </a:r>
           </a:p>
           <a:p>
@@ -3740,7 +3792,43 @@
                 </a:solidFill>
                 <a:latin typeface="Arial" panose="020B0604020202020204" pitchFamily="34" charset="0"/>
               </a:rPr>
-              <a:t>クリア・ゲームオーバー画面成島</a:t>
+              <a:t>弾（</a:t>
+            </a:r>
+            <a:r>
+              <a:rPr lang="ja-JP" altLang="en-US" sz="2000" dirty="0" smtClean="0">
+                <a:solidFill>
+                  <a:srgbClr val="000000"/>
+                </a:solidFill>
+                <a:latin typeface="Arial" panose="020B0604020202020204" pitchFamily="34" charset="0"/>
+              </a:rPr>
+              <a:t>メイン</a:t>
+            </a:r>
+            <a:r>
+              <a:rPr lang="ja-JP" altLang="en-US" sz="2000" dirty="0" smtClean="0">
+                <a:solidFill>
+                  <a:srgbClr val="000000"/>
+                </a:solidFill>
+                <a:latin typeface="Arial" panose="020B0604020202020204" pitchFamily="34" charset="0"/>
+              </a:rPr>
+              <a:t>、回転（サブ攻撃</a:t>
+            </a:r>
+            <a:r>
+              <a:rPr lang="ja-JP" altLang="en-US" sz="2000" dirty="0" smtClean="0">
+                <a:solidFill>
+                  <a:srgbClr val="000000"/>
+                </a:solidFill>
+                <a:latin typeface="Arial" panose="020B0604020202020204" pitchFamily="34" charset="0"/>
+              </a:rPr>
+              <a:t>）</a:t>
+            </a:r>
+            <a:r>
+              <a:rPr lang="ja-JP" altLang="en-US" sz="2000" dirty="0">
+                <a:solidFill>
+                  <a:srgbClr val="000000"/>
+                </a:solidFill>
+                <a:latin typeface="Arial" panose="020B0604020202020204" pitchFamily="34" charset="0"/>
+              </a:rPr>
+              <a:t>成島</a:t>
             </a:r>
           </a:p>
           <a:p>
@@ -3755,8 +3843,23 @@
                 </a:solidFill>
                 <a:latin typeface="Arial" panose="020B0604020202020204" pitchFamily="34" charset="0"/>
               </a:rPr>
-              <a:t>ギミック　森山</a:t>
-            </a:r>
+              <a:t>ボス（数パターンの行動）川</a:t>
+            </a:r>
+            <a:r>
+              <a:rPr lang="ja-JP" altLang="en-US" sz="2000" dirty="0" smtClean="0">
+                <a:solidFill>
+                  <a:srgbClr val="000000"/>
+                </a:solidFill>
+                <a:latin typeface="Arial" panose="020B0604020202020204" pitchFamily="34" charset="0"/>
+              </a:rPr>
+              <a:t>瀧</a:t>
+            </a:r>
+            <a:endParaRPr lang="en-US" altLang="ja-JP" sz="2000" dirty="0" smtClean="0">
+              <a:solidFill>
+                <a:srgbClr val="000000"/>
+              </a:solidFill>
+              <a:latin typeface="Arial" panose="020B0604020202020204" pitchFamily="34" charset="0"/>
+            </a:endParaRPr>
           </a:p>
           <a:p>
             <a:pPr fontAlgn="base">
@@ -3770,8 +3873,32 @@
                 </a:solidFill>
                 <a:latin typeface="Arial" panose="020B0604020202020204" pitchFamily="34" charset="0"/>
               </a:rPr>
-              <a:t>弾（メイン、サブ）成島</a:t>
-            </a:r>
+              <a:t>ボスの</a:t>
+            </a:r>
+            <a:r>
+              <a:rPr lang="ja-JP" altLang="en-US" sz="2000" dirty="0" smtClean="0">
+                <a:solidFill>
+                  <a:srgbClr val="000000"/>
+                </a:solidFill>
+                <a:latin typeface="Arial" panose="020B0604020202020204" pitchFamily="34" charset="0"/>
+              </a:rPr>
+              <a:t>弾　</a:t>
+            </a:r>
+            <a:r>
+              <a:rPr lang="ja-JP" altLang="en-US" sz="2000" dirty="0">
+                <a:solidFill>
+                  <a:srgbClr val="000000"/>
+                </a:solidFill>
+                <a:latin typeface="Arial" panose="020B0604020202020204" pitchFamily="34" charset="0"/>
+              </a:rPr>
+              <a:t>川瀧</a:t>
+            </a:r>
+            <a:endParaRPr lang="ja-JP" altLang="en-US" sz="2000" dirty="0">
+              <a:solidFill>
+                <a:srgbClr val="000000"/>
+              </a:solidFill>
+              <a:latin typeface="Arial" panose="020B0604020202020204" pitchFamily="34" charset="0"/>
+            </a:endParaRPr>
           </a:p>
           <a:p>
             <a:pPr fontAlgn="base">
@@ -3779,14 +3906,51 @@
               <a:buChar char="•"/>
             </a:pPr>
             <a:r>
-              <a:rPr lang="ja-JP" altLang="en-US" sz="2000" dirty="0">
+              <a:rPr lang="ja-JP" altLang="en-US" sz="2000" b="0" i="0" u="none" strike="noStrike" dirty="0" smtClean="0">
                 <a:solidFill>
                   <a:srgbClr val="000000"/>
                 </a:solidFill>
+                <a:effectLst/>
                 <a:latin typeface="Arial" panose="020B0604020202020204" pitchFamily="34" charset="0"/>
               </a:rPr>
-              <a:t>ボス（数パターンの行動）川瀧</a:t>
-            </a:r>
+              <a:t>音楽（タイトル、通常、ボス戦</a:t>
+            </a:r>
+            <a:r>
+              <a:rPr lang="ja-JP" altLang="en-US" sz="2000" b="0" i="0" u="none" strike="noStrike" dirty="0" smtClean="0">
+                <a:solidFill>
+                  <a:srgbClr val="000000"/>
+                </a:solidFill>
+                <a:effectLst/>
+                <a:latin typeface="Arial" panose="020B0604020202020204" pitchFamily="34" charset="0"/>
+              </a:rPr>
+              <a:t>）森山　</a:t>
+            </a:r>
+            <a:r>
+              <a:rPr lang="ja-JP" altLang="en-US" sz="2000" dirty="0" smtClean="0">
+                <a:solidFill>
+                  <a:srgbClr val="000000"/>
+                </a:solidFill>
+                <a:latin typeface="Arial" panose="020B0604020202020204" pitchFamily="34" charset="0"/>
+              </a:rPr>
+              <a:t>成島</a:t>
+            </a:r>
+            <a:r>
+              <a:rPr lang="ja-JP" altLang="en-US" sz="2000" b="0" i="0" u="none" strike="noStrike" dirty="0" smtClean="0">
+                <a:solidFill>
+                  <a:srgbClr val="000000"/>
+                </a:solidFill>
+                <a:effectLst/>
+                <a:latin typeface="Arial" panose="020B0604020202020204" pitchFamily="34" charset="0"/>
+              </a:rPr>
+              <a:t>　</a:t>
+            </a:r>
+            <a:endParaRPr lang="ja-JP" altLang="en-US" sz="2000" b="0" i="0" u="none" strike="noStrike" dirty="0" smtClean="0">
+              <a:solidFill>
+                <a:srgbClr val="000000"/>
+              </a:solidFill>
+              <a:effectLst/>
+              <a:latin typeface="Arial" panose="020B0604020202020204" pitchFamily="34" charset="0"/>
+            </a:endParaRPr>
           </a:p>
           <a:p>
             <a:pPr fontAlgn="base">
@@ -3794,14 +3958,31 @@
               <a:buChar char="•"/>
             </a:pPr>
             <a:r>
-              <a:rPr lang="ja-JP" altLang="en-US" sz="2000" b="0" i="0" u="none" strike="noStrike" dirty="0" smtClean="0">
+              <a:rPr lang="en-US" altLang="ja-JP" sz="2000" dirty="0" smtClean="0">
                 <a:solidFill>
                   <a:srgbClr val="000000"/>
                 </a:solidFill>
-                <a:effectLst/>
                 <a:latin typeface="Arial" panose="020B0604020202020204" pitchFamily="34" charset="0"/>
               </a:rPr>
-              <a:t>音楽（タイトル、通常、ボス戦）</a:t>
+              <a:t>SE</a:t>
+            </a:r>
+            <a:r>
+              <a:rPr lang="ja-JP" altLang="en-US" sz="2000" dirty="0" smtClean="0">
+                <a:solidFill>
+                  <a:srgbClr val="000000"/>
+                </a:solidFill>
+                <a:latin typeface="Arial" panose="020B0604020202020204" pitchFamily="34" charset="0"/>
+              </a:rPr>
+              <a:t>（ヒット音）</a:t>
+            </a:r>
+            <a:r>
+              <a:rPr lang="ja-JP" altLang="en-US" sz="2000" dirty="0">
+                <a:solidFill>
+                  <a:srgbClr val="000000"/>
+                </a:solidFill>
+                <a:latin typeface="Arial" panose="020B0604020202020204" pitchFamily="34" charset="0"/>
+              </a:rPr>
+              <a:t>　森山</a:t>
             </a:r>
           </a:p>
           <a:p>
@@ -3810,22 +3991,13 @@
               <a:buChar char="•"/>
             </a:pPr>
             <a:r>
-              <a:rPr lang="en-US" altLang="ja-JP" sz="2000" dirty="0">
+              <a:rPr lang="ja-JP" altLang="en-US" sz="2000" dirty="0">
                 <a:solidFill>
                   <a:srgbClr val="000000"/>
                 </a:solidFill>
                 <a:latin typeface="Arial" panose="020B0604020202020204" pitchFamily="34" charset="0"/>
               </a:rPr>
-              <a:t>SE</a:t>
-            </a:r>
-            <a:r>
-              <a:rPr lang="ja-JP" altLang="en-US" sz="2000" dirty="0">
-                <a:solidFill>
-                  <a:srgbClr val="000000"/>
-                </a:solidFill>
-                <a:latin typeface="Arial" panose="020B0604020202020204" pitchFamily="34" charset="0"/>
-              </a:rPr>
-              <a:t>　森山</a:t>
+              <a:t>背景　川瀧</a:t>
             </a:r>
           </a:p>
           <a:p>
@@ -3834,21 +4006,6 @@
               <a:buChar char="•"/>
             </a:pPr>
             <a:r>
-              <a:rPr lang="ja-JP" altLang="en-US" sz="2000" dirty="0">
-                <a:solidFill>
-                  <a:srgbClr val="000000"/>
-                </a:solidFill>
-                <a:latin typeface="Arial" panose="020B0604020202020204" pitchFamily="34" charset="0"/>
-              </a:rPr>
-              <a:t>背景　川瀧</a:t>
-            </a:r>
-          </a:p>
-          <a:p>
-            <a:pPr fontAlgn="base">
-              <a:buFont typeface="Arial" panose="020B0604020202020204" pitchFamily="34" charset="0"/>
-              <a:buChar char="•"/>
-            </a:pPr>
-            <a:r>
               <a:rPr lang="ja-JP" altLang="en-US" sz="2000" dirty="0" smtClean="0">
                 <a:solidFill>
                   <a:srgbClr val="000000"/>
@@ -3858,73 +4015,39 @@
               <a:t>判定</a:t>
             </a:r>
             <a:r>
-              <a:rPr lang="ja-JP" altLang="en-US" sz="2000" b="0" dirty="0" smtClean="0">
-                <a:effectLst/>
-              </a:rPr>
-              <a:t/>
-            </a:r>
-            <a:br>
-              <a:rPr lang="ja-JP" altLang="en-US" sz="2000" b="0" dirty="0" smtClean="0">
-                <a:effectLst/>
-              </a:rPr>
-            </a:br>
-            <a:r>
-              <a:rPr lang="ja-JP" altLang="en-US" sz="2000" dirty="0">
+              <a:rPr lang="ja-JP" altLang="en-US" sz="2000" smtClean="0">
                 <a:solidFill>
                   <a:srgbClr val="000000"/>
                 </a:solidFill>
                 <a:latin typeface="Arial" panose="020B0604020202020204" pitchFamily="34" charset="0"/>
               </a:rPr>
-              <a:t>変身、または必殺技</a:t>
-            </a:r>
-          </a:p>
-          <a:p>
-            <a:pPr fontAlgn="base">
-              <a:buFont typeface="Arial" panose="020B0604020202020204" pitchFamily="34" charset="0"/>
-              <a:buChar char="•"/>
-            </a:pPr>
-            <a:r>
-              <a:rPr lang="ja-JP" altLang="en-US" sz="2000" dirty="0">
+              <a:t>　全員（各追加したプログラム）</a:t>
+            </a:r>
+            <a:endParaRPr lang="en-US" altLang="ja-JP" sz="2000" dirty="0"/>
+          </a:p>
+          <a:p>
+            <a:pPr fontAlgn="base"/>
+            <a:r>
+              <a:rPr lang="ja-JP" altLang="en-US" sz="2000" dirty="0" smtClean="0">
                 <a:solidFill>
                   <a:srgbClr val="000000"/>
                 </a:solidFill>
                 <a:latin typeface="Arial" panose="020B0604020202020204" pitchFamily="34" charset="0"/>
               </a:rPr>
-              <a:t>アイテム（弾強化、弾増加、回復）</a:t>
-            </a:r>
-          </a:p>
-          <a:p>
-            <a:pPr fontAlgn="base">
-              <a:buFont typeface="Arial" panose="020B0604020202020204" pitchFamily="34" charset="0"/>
-              <a:buChar char="•"/>
-            </a:pPr>
-            <a:r>
-              <a:rPr lang="ja-JP" altLang="en-US" sz="2000" b="0" i="0" u="none" strike="noStrike" dirty="0" smtClean="0">
+              <a:t>・必殺技　</a:t>
+            </a:r>
+            <a:r>
+              <a:rPr lang="ja-JP" altLang="en-US" dirty="0">
                 <a:solidFill>
                   <a:srgbClr val="000000"/>
                 </a:solidFill>
-                <a:effectLst/>
                 <a:latin typeface="Arial" panose="020B0604020202020204" pitchFamily="34" charset="0"/>
               </a:rPr>
-              <a:t>エフェクト（撃破時、アイテム回収時、死亡時）</a:t>
-            </a:r>
-          </a:p>
-          <a:p>
-            <a:pPr fontAlgn="base">
-              <a:buFont typeface="Arial" panose="020B0604020202020204" pitchFamily="34" charset="0"/>
-              <a:buChar char="•"/>
-            </a:pPr>
-            <a:r>
-              <a:rPr lang="ja-JP" altLang="en-US" sz="2000" dirty="0">
-                <a:solidFill>
-                  <a:srgbClr val="000000"/>
-                </a:solidFill>
-                <a:latin typeface="Arial" panose="020B0604020202020204" pitchFamily="34" charset="0"/>
-              </a:rPr>
-              <a:t>エンディング</a:t>
-            </a:r>
-          </a:p>
-          <a:p>
+              <a:t>成島</a:t>
+            </a:r>
+          </a:p>
+          <a:p>
+            <a:pPr fontAlgn="base"/>
             <a:r>
               <a:rPr lang="ja-JP" altLang="en-US" b="0" dirty="0" smtClean="0">
                 <a:effectLst/>
@@ -3950,313 +4073,6 @@
   <p:clrMapOvr>
     <a:masterClrMapping/>
   </p:clrMapOvr>
-</p:sld>
-</file>
-
-<file path=ppt/slides/slide3.xml><?xml version="1.0" encoding="utf-8"?>
-<p:sld xmlns:a="http://schemas.openxmlformats.org/drawingml/2006/main" xmlns:r="http://schemas.openxmlformats.org/officeDocument/2006/relationships" xmlns:p="http://schemas.openxmlformats.org/presentationml/2006/main">
-  <p:cSld>
-    <p:spTree>
-      <p:nvGrpSpPr>
-        <p:cNvPr id="1" name=""/>
-        <p:cNvGrpSpPr/>
-        <p:nvPr/>
-      </p:nvGrpSpPr>
-      <p:grpSpPr>
-        <a:xfrm>
-          <a:off x="0" y="0"/>
-          <a:ext cx="0" cy="0"/>
-          <a:chOff x="0" y="0"/>
-          <a:chExt cx="0" cy="0"/>
-        </a:xfrm>
-      </p:grpSpPr>
-      <p:sp>
-        <p:nvSpPr>
-          <p:cNvPr id="2" name="タイトル 1"/>
-          <p:cNvSpPr>
-            <a:spLocks noGrp="1"/>
-          </p:cNvSpPr>
-          <p:nvPr>
-            <p:ph type="title"/>
-          </p:nvPr>
-        </p:nvSpPr>
-        <p:spPr/>
-        <p:txBody>
-          <a:bodyPr/>
-          <a:lstStyle/>
-          <a:p>
-            <a:endParaRPr kumimoji="1" lang="ja-JP" altLang="en-US"/>
-          </a:p>
-        </p:txBody>
-      </p:sp>
-      <p:sp>
-        <p:nvSpPr>
-          <p:cNvPr id="3" name="コンテンツ プレースホルダー 2"/>
-          <p:cNvSpPr>
-            <a:spLocks noGrp="1"/>
-          </p:cNvSpPr>
-          <p:nvPr>
-            <p:ph idx="1"/>
-          </p:nvPr>
-        </p:nvSpPr>
-        <p:spPr/>
-        <p:txBody>
-          <a:bodyPr/>
-          <a:lstStyle/>
-          <a:p>
-            <a:endParaRPr kumimoji="1" lang="ja-JP" altLang="en-US"/>
-          </a:p>
-        </p:txBody>
-      </p:sp>
-      <p:pic>
-        <p:nvPicPr>
-          <p:cNvPr id="1030" name="Picture 6" descr="https://lh6.googleusercontent.com/bY5nHjFwuPN1_qBFl62PbS1M7TQs-WOg65U375KZQmDKIvvg7moUVEIDFIcJpSHorbCWkmA6-uq6KnDOP9BqTAWSYSGldqOYSpM8ZzaelAXP3G_NwCLAwrkcyrJN8T9PJjLSYp5uMZ4Xrhi-WDtwM7sRh_f85m6YRiio-cqoENwSXizeHpSkSV2KutWl"/>
-          <p:cNvPicPr>
-            <a:picLocks noChangeAspect="1" noChangeArrowheads="1"/>
-          </p:cNvPicPr>
-          <p:nvPr/>
-        </p:nvPicPr>
-        <p:blipFill>
-          <a:blip r:embed="rId2">
-            <a:extLst>
-              <a:ext uri="{28A0092B-C50C-407E-A947-70E740481C1C}">
-                <a14:useLocalDpi xmlns:a14="http://schemas.microsoft.com/office/drawing/2010/main" val="0"/>
-              </a:ext>
-            </a:extLst>
-          </a:blip>
-          <a:srcRect/>
-          <a:stretch>
-            <a:fillRect/>
-          </a:stretch>
-        </p:blipFill>
-        <p:spPr bwMode="auto">
-          <a:xfrm>
-            <a:off x="-354612" y="-539670"/>
-            <a:ext cx="15240000" cy="8115300"/>
-          </a:xfrm>
-          <a:prstGeom prst="rect">
-            <a:avLst/>
-          </a:prstGeom>
-          <a:noFill/>
-          <a:extLst>
-            <a:ext uri="{909E8E84-426E-40DD-AFC4-6F175D3DCCD1}">
-              <a14:hiddenFill xmlns:a14="http://schemas.microsoft.com/office/drawing/2010/main">
-                <a:solidFill>
-                  <a:srgbClr val="FFFFFF"/>
-                </a:solidFill>
-              </a14:hiddenFill>
-            </a:ext>
-          </a:extLst>
-        </p:spPr>
-      </p:pic>
-      <p:sp>
-        <p:nvSpPr>
-          <p:cNvPr id="7" name="テキスト ボックス 6"/>
-          <p:cNvSpPr txBox="1"/>
-          <p:nvPr/>
-        </p:nvSpPr>
-        <p:spPr>
-          <a:xfrm>
-            <a:off x="838200" y="6858000"/>
-            <a:ext cx="2413000" cy="365760"/>
-          </a:xfrm>
-          <a:prstGeom prst="rect">
-            <a:avLst/>
-          </a:prstGeom>
-          <a:noFill/>
-        </p:spPr>
-        <p:txBody>
-          <a:bodyPr wrap="square" rtlCol="0">
-            <a:spAutoFit/>
-          </a:bodyPr>
-          <a:lstStyle/>
-          <a:p>
-            <a:r>
-              <a:rPr lang="ja-JP" altLang="en-US" dirty="0">
-                <a:solidFill>
-                  <a:schemeClr val="bg1"/>
-                </a:solidFill>
-              </a:rPr>
-              <a:t>キャラ</a:t>
-            </a:r>
-            <a:r>
-              <a:rPr lang="ja-JP" altLang="en-US" dirty="0" smtClean="0">
-                <a:solidFill>
-                  <a:schemeClr val="bg1"/>
-                </a:solidFill>
-              </a:rPr>
-              <a:t>の</a:t>
-            </a:r>
-            <a:r>
-              <a:rPr lang="en-US" altLang="ja-JP" dirty="0" smtClean="0">
-                <a:solidFill>
-                  <a:schemeClr val="bg1"/>
-                </a:solidFill>
-              </a:rPr>
-              <a:t>HP</a:t>
-            </a:r>
-            <a:endParaRPr kumimoji="1" lang="ja-JP" altLang="en-US" dirty="0">
-              <a:solidFill>
-                <a:schemeClr val="bg1"/>
-              </a:solidFill>
-            </a:endParaRPr>
-          </a:p>
-        </p:txBody>
-      </p:sp>
-      <p:sp>
-        <p:nvSpPr>
-          <p:cNvPr id="8" name="テキスト ボックス 7"/>
-          <p:cNvSpPr txBox="1"/>
-          <p:nvPr/>
-        </p:nvSpPr>
-        <p:spPr>
-          <a:xfrm>
-            <a:off x="9591040" y="142836"/>
-            <a:ext cx="1605280" cy="461665"/>
-          </a:xfrm>
-          <a:prstGeom prst="rect">
-            <a:avLst/>
-          </a:prstGeom>
-          <a:noFill/>
-        </p:spPr>
-        <p:txBody>
-          <a:bodyPr wrap="square" rtlCol="0">
-            <a:spAutoFit/>
-          </a:bodyPr>
-          <a:lstStyle/>
-          <a:p>
-            <a:r>
-              <a:rPr lang="ja-JP" altLang="en-US" sz="2400" dirty="0">
-                <a:solidFill>
-                  <a:schemeClr val="bg1"/>
-                </a:solidFill>
-              </a:rPr>
-              <a:t>ボスの</a:t>
-            </a:r>
-            <a:r>
-              <a:rPr kumimoji="1" lang="en-US" altLang="ja-JP" sz="2400" dirty="0" smtClean="0">
-                <a:solidFill>
-                  <a:schemeClr val="bg1"/>
-                </a:solidFill>
-              </a:rPr>
-              <a:t>HP</a:t>
-            </a:r>
-            <a:endParaRPr kumimoji="1" lang="ja-JP" altLang="en-US" sz="2400" dirty="0">
-              <a:solidFill>
-                <a:schemeClr val="bg1"/>
-              </a:solidFill>
-            </a:endParaRPr>
-          </a:p>
-        </p:txBody>
-      </p:sp>
-      <p:sp>
-        <p:nvSpPr>
-          <p:cNvPr id="9" name="テキスト ボックス 8"/>
-          <p:cNvSpPr txBox="1"/>
-          <p:nvPr/>
-        </p:nvSpPr>
-        <p:spPr>
-          <a:xfrm>
-            <a:off x="9154159" y="2194560"/>
-            <a:ext cx="1696721" cy="584775"/>
-          </a:xfrm>
-          <a:prstGeom prst="rect">
-            <a:avLst/>
-          </a:prstGeom>
-          <a:noFill/>
-        </p:spPr>
-        <p:txBody>
-          <a:bodyPr wrap="square" rtlCol="0">
-            <a:spAutoFit/>
-          </a:bodyPr>
-          <a:lstStyle/>
-          <a:p>
-            <a:r>
-              <a:rPr kumimoji="1" lang="ja-JP" altLang="en-US" sz="3200" dirty="0" smtClean="0">
-                <a:solidFill>
-                  <a:schemeClr val="bg1"/>
-                </a:solidFill>
-              </a:rPr>
-              <a:t>マップ</a:t>
-            </a:r>
-            <a:endParaRPr kumimoji="1" lang="ja-JP" altLang="en-US" sz="3200" dirty="0">
-              <a:solidFill>
-                <a:schemeClr val="bg1"/>
-              </a:solidFill>
-            </a:endParaRPr>
-          </a:p>
-        </p:txBody>
-      </p:sp>
-      <p:sp>
-        <p:nvSpPr>
-          <p:cNvPr id="10" name="テキスト ボックス 9"/>
-          <p:cNvSpPr txBox="1"/>
-          <p:nvPr/>
-        </p:nvSpPr>
-        <p:spPr>
-          <a:xfrm>
-            <a:off x="8991600" y="4907280"/>
-            <a:ext cx="4267200" cy="646331"/>
-          </a:xfrm>
-          <a:prstGeom prst="rect">
-            <a:avLst/>
-          </a:prstGeom>
-          <a:noFill/>
-        </p:spPr>
-        <p:txBody>
-          <a:bodyPr wrap="square" rtlCol="0">
-            <a:spAutoFit/>
-          </a:bodyPr>
-          <a:lstStyle/>
-          <a:p>
-            <a:r>
-              <a:rPr kumimoji="1" lang="ja-JP" altLang="en-US" dirty="0" smtClean="0">
-                <a:solidFill>
-                  <a:schemeClr val="bg1"/>
-                </a:solidFill>
-              </a:rPr>
-              <a:t>操作説明</a:t>
-            </a:r>
-            <a:endParaRPr kumimoji="1" lang="en-US" altLang="ja-JP" dirty="0" smtClean="0">
-              <a:solidFill>
-                <a:schemeClr val="bg1"/>
-              </a:solidFill>
-            </a:endParaRPr>
-          </a:p>
-          <a:p>
-            <a:r>
-              <a:rPr lang="ja-JP" altLang="en-US" dirty="0" smtClean="0">
-                <a:solidFill>
-                  <a:schemeClr val="bg1"/>
-                </a:solidFill>
-              </a:rPr>
-              <a:t>メイン、サブ、必殺技など</a:t>
-            </a:r>
-            <a:endParaRPr kumimoji="1" lang="ja-JP" altLang="en-US" dirty="0">
-              <a:solidFill>
-                <a:schemeClr val="bg1"/>
-              </a:solidFill>
-            </a:endParaRPr>
-          </a:p>
-        </p:txBody>
-      </p:sp>
-    </p:spTree>
-    <p:extLst>
-      <p:ext uri="{BB962C8B-B14F-4D97-AF65-F5344CB8AC3E}">
-        <p14:creationId xmlns:p14="http://schemas.microsoft.com/office/powerpoint/2010/main" val="1736487564"/>
-      </p:ext>
-    </p:extLst>
-  </p:cSld>
-  <p:clrMapOvr>
-    <a:masterClrMapping/>
-  </p:clrMapOvr>
-  <p:timing>
-    <p:tnLst>
-      <p:par>
-        <p:cTn id="1" dur="indefinite" restart="never" nodeType="tmRoot"/>
-      </p:par>
-    </p:tnLst>
-  </p:timing>
 </p:sld>
 </file>
 
